--- a/slides/Presentation - Student Stress Prediction.pptx
+++ b/slides/Presentation - Student Stress Prediction.pptx
@@ -8529,7 +8529,7 @@
 </file>
 
 <file path=ppt/slides/slide12.xml><?xml version="1.0" encoding="utf-8"?>
-<p:sld xmlns:p="http://schemas.openxmlformats.org/presentationml/2006/main" xmlns:a="http://schemas.openxmlformats.org/drawingml/2006/main">
+<p:sld xmlns:p="http://schemas.openxmlformats.org/presentationml/2006/main" xmlns:a="http://schemas.openxmlformats.org/drawingml/2006/main" xmlns:r="http://schemas.openxmlformats.org/officeDocument/2006/relationships">
   <p:cSld>
     <p:bg>
       <p:bgPr>
@@ -8560,7 +8560,7 @@
         </p:nvGrpSpPr>
         <p:grpSpPr>
           <a:xfrm rot="0">
-            <a:off x="10734674" y="2932118"/>
+            <a:off x="10689603" y="2968629"/>
             <a:ext cx="6569697" cy="4349743"/>
             <a:chOff x="0" y="0"/>
             <a:chExt cx="8759596" cy="5799657"/>
@@ -8876,9 +8876,61 @@
           </p:txBody>
         </p:sp>
       </p:grpSp>
+      <p:sp>
+        <p:nvSpPr>
+          <p:cNvPr name="Freeform 11" id="11"/>
+          <p:cNvSpPr/>
+          <p:nvPr/>
+        </p:nvSpPr>
+        <p:spPr>
+          <a:xfrm flipH="false" flipV="false" rot="0">
+            <a:off x="5693434" y="325165"/>
+            <a:ext cx="6901132" cy="4114800"/>
+          </a:xfrm>
+          <a:custGeom>
+            <a:avLst/>
+            <a:gdLst/>
+            <a:ahLst/>
+            <a:cxnLst/>
+            <a:rect r="r" b="b" t="t" l="l"/>
+            <a:pathLst>
+              <a:path h="4114800" w="6901132">
+                <a:moveTo>
+                  <a:pt x="0" y="0"/>
+                </a:moveTo>
+                <a:lnTo>
+                  <a:pt x="6901132" y="0"/>
+                </a:lnTo>
+                <a:lnTo>
+                  <a:pt x="6901132" y="4114800"/>
+                </a:lnTo>
+                <a:lnTo>
+                  <a:pt x="0" y="4114800"/>
+                </a:lnTo>
+                <a:lnTo>
+                  <a:pt x="0" y="0"/>
+                </a:lnTo>
+                <a:close/>
+              </a:path>
+            </a:pathLst>
+          </a:custGeom>
+          <a:blipFill>
+            <a:blip r:embed="rId2">
+              <a:extLst>
+                <a:ext uri="{96DAC541-7B7A-43D3-8B79-37D633B846F1}">
+                  <asvg:svgBlip xmlns:asvg="http://schemas.microsoft.com/office/drawing/2016/SVG/main" r:embed="rId3"/>
+                </a:ext>
+              </a:extLst>
+            </a:blip>
+            <a:stretch>
+              <a:fillRect l="0" t="0" r="0" b="0"/>
+            </a:stretch>
+          </a:blipFill>
+        </p:spPr>
+      </p:sp>
       <p:grpSp>
         <p:nvGrpSpPr>
-          <p:cNvPr name="Group 11" id="11"/>
+          <p:cNvPr name="Group 12" id="12"/>
           <p:cNvGrpSpPr/>
           <p:nvPr/>
         </p:nvGrpSpPr>
@@ -8892,7 +8944,7 @@
         </p:grpSpPr>
         <p:sp>
           <p:nvSpPr>
-            <p:cNvPr name="TextBox 12" id="12"/>
+            <p:cNvPr name="TextBox 13" id="13"/>
             <p:cNvSpPr txBox="true"/>
             <p:nvPr/>
           </p:nvSpPr>
@@ -8933,7 +8985,7 @@
         </p:sp>
         <p:sp>
           <p:nvSpPr>
-            <p:cNvPr name="TextBox 13" id="13"/>
+            <p:cNvPr name="TextBox 14" id="14"/>
             <p:cNvSpPr txBox="true"/>
             <p:nvPr/>
           </p:nvSpPr>
@@ -10809,7 +10861,7 @@
         </p:nvGrpSpPr>
         <p:grpSpPr>
           <a:xfrm rot="0">
-            <a:off x="8624270" y="910596"/>
+            <a:off x="8578707" y="692449"/>
             <a:ext cx="9324911" cy="4146899"/>
             <a:chOff x="0" y="0"/>
             <a:chExt cx="12433215" cy="5529199"/>
@@ -16505,7 +16557,7 @@
                           <a:cs typeface="Carlito"/>
                           <a:sym typeface="Carlito"/>
                         </a:rPr>
-                        <a:t>0.8864</a:t>
+                        <a:t>0.8909</a:t>
                       </a:r>
                       <a:endParaRPr lang="en-US" sz="1100"/>
                     </a:p>
@@ -26267,65 +26319,6 @@
         </p:nvSpPr>
         <p:spPr>
           <a:xfrm flipH="false" flipV="false" rot="0">
-            <a:off x="1028700" y="3252209"/>
-            <a:ext cx="9359950" cy="70200"/>
-          </a:xfrm>
-          <a:custGeom>
-            <a:avLst/>
-            <a:gdLst/>
-            <a:ahLst/>
-            <a:cxnLst/>
-            <a:rect r="r" b="b" t="t" l="l"/>
-            <a:pathLst>
-              <a:path h="70200" w="9359950">
-                <a:moveTo>
-                  <a:pt x="0" y="0"/>
-                </a:moveTo>
-                <a:lnTo>
-                  <a:pt x="9359950" y="0"/>
-                </a:lnTo>
-                <a:lnTo>
-                  <a:pt x="9359950" y="70199"/>
-                </a:lnTo>
-                <a:lnTo>
-                  <a:pt x="0" y="70199"/>
-                </a:lnTo>
-                <a:lnTo>
-                  <a:pt x="0" y="0"/>
-                </a:lnTo>
-                <a:close/>
-              </a:path>
-            </a:pathLst>
-          </a:custGeom>
-          <a:blipFill>
-            <a:blip r:embed="rId6">
-              <a:extLst>
-                <a:ext uri="{96DAC541-7B7A-43D3-8B79-37D633B846F1}">
-                  <asvg:svgBlip xmlns:asvg="http://schemas.microsoft.com/office/drawing/2016/SVG/main" r:embed="rId7"/>
-                </a:ext>
-              </a:extLst>
-            </a:blip>
-            <a:stretch>
-              <a:fillRect l="0" t="0" r="0" b="0"/>
-            </a:stretch>
-          </a:blipFill>
-          <a:ln w="952500" cap="sq">
-            <a:solidFill>
-              <a:srgbClr val="546E7A"/>
-            </a:solidFill>
-            <a:prstDash val="solid"/>
-            <a:miter/>
-          </a:ln>
-        </p:spPr>
-      </p:sp>
-      <p:sp>
-        <p:nvSpPr>
-          <p:cNvPr name="Freeform 18" id="18"/>
-          <p:cNvSpPr/>
-          <p:nvPr/>
-        </p:nvSpPr>
-        <p:spPr>
-          <a:xfrm flipH="false" flipV="false" rot="0">
             <a:off x="5513820" y="2372037"/>
             <a:ext cx="20574" cy="4114800"/>
           </a:xfrm>
@@ -26357,10 +26350,10 @@
             </a:pathLst>
           </a:custGeom>
           <a:blipFill>
-            <a:blip r:embed="rId8">
+            <a:blip r:embed="rId6">
               <a:extLst>
                 <a:ext uri="{96DAC541-7B7A-43D3-8B79-37D633B846F1}">
-                  <asvg:svgBlip xmlns:asvg="http://schemas.microsoft.com/office/drawing/2016/SVG/main" r:embed="rId9"/>
+                  <asvg:svgBlip xmlns:asvg="http://schemas.microsoft.com/office/drawing/2016/SVG/main" r:embed="rId7"/>
                 </a:ext>
               </a:extLst>
             </a:blip>
@@ -26372,7 +26365,111 @@
       </p:sp>
       <p:sp>
         <p:nvSpPr>
-          <p:cNvPr name="TextBox 19" id="19"/>
+          <p:cNvPr name="Freeform 18" id="18"/>
+          <p:cNvSpPr/>
+          <p:nvPr/>
+        </p:nvSpPr>
+        <p:spPr>
+          <a:xfrm flipH="false" flipV="false" rot="0">
+            <a:off x="7997677" y="2372037"/>
+            <a:ext cx="20574" cy="4114800"/>
+          </a:xfrm>
+          <a:custGeom>
+            <a:avLst/>
+            <a:gdLst/>
+            <a:ahLst/>
+            <a:cxnLst/>
+            <a:rect r="r" b="b" t="t" l="l"/>
+            <a:pathLst>
+              <a:path h="4114800" w="20574">
+                <a:moveTo>
+                  <a:pt x="0" y="0"/>
+                </a:moveTo>
+                <a:lnTo>
+                  <a:pt x="20574" y="0"/>
+                </a:lnTo>
+                <a:lnTo>
+                  <a:pt x="20574" y="4114800"/>
+                </a:lnTo>
+                <a:lnTo>
+                  <a:pt x="0" y="4114800"/>
+                </a:lnTo>
+                <a:lnTo>
+                  <a:pt x="0" y="0"/>
+                </a:lnTo>
+                <a:close/>
+              </a:path>
+            </a:pathLst>
+          </a:custGeom>
+          <a:blipFill>
+            <a:blip r:embed="rId6">
+              <a:extLst>
+                <a:ext uri="{96DAC541-7B7A-43D3-8B79-37D633B846F1}">
+                  <asvg:svgBlip xmlns:asvg="http://schemas.microsoft.com/office/drawing/2016/SVG/main" r:embed="rId7"/>
+                </a:ext>
+              </a:extLst>
+            </a:blip>
+            <a:stretch>
+              <a:fillRect l="0" t="0" r="0" b="0"/>
+            </a:stretch>
+          </a:blipFill>
+        </p:spPr>
+      </p:sp>
+      <p:sp>
+        <p:nvSpPr>
+          <p:cNvPr name="Freeform 19" id="19"/>
+          <p:cNvSpPr/>
+          <p:nvPr/>
+        </p:nvSpPr>
+        <p:spPr>
+          <a:xfrm flipH="false" flipV="false" rot="0">
+            <a:off x="3026271" y="2372037"/>
+            <a:ext cx="20574" cy="4114800"/>
+          </a:xfrm>
+          <a:custGeom>
+            <a:avLst/>
+            <a:gdLst/>
+            <a:ahLst/>
+            <a:cxnLst/>
+            <a:rect r="r" b="b" t="t" l="l"/>
+            <a:pathLst>
+              <a:path h="4114800" w="20574">
+                <a:moveTo>
+                  <a:pt x="0" y="0"/>
+                </a:moveTo>
+                <a:lnTo>
+                  <a:pt x="20574" y="0"/>
+                </a:lnTo>
+                <a:lnTo>
+                  <a:pt x="20574" y="4114800"/>
+                </a:lnTo>
+                <a:lnTo>
+                  <a:pt x="0" y="4114800"/>
+                </a:lnTo>
+                <a:lnTo>
+                  <a:pt x="0" y="0"/>
+                </a:lnTo>
+                <a:close/>
+              </a:path>
+            </a:pathLst>
+          </a:custGeom>
+          <a:blipFill>
+            <a:blip r:embed="rId6">
+              <a:extLst>
+                <a:ext uri="{96DAC541-7B7A-43D3-8B79-37D633B846F1}">
+                  <asvg:svgBlip xmlns:asvg="http://schemas.microsoft.com/office/drawing/2016/SVG/main" r:embed="rId7"/>
+                </a:ext>
+              </a:extLst>
+            </a:blip>
+            <a:stretch>
+              <a:fillRect l="0" t="0" r="0" b="0"/>
+            </a:stretch>
+          </a:blipFill>
+        </p:spPr>
+      </p:sp>
+      <p:sp>
+        <p:nvSpPr>
+          <p:cNvPr name="TextBox 20" id="20"/>
           <p:cNvSpPr txBox="true"/>
           <p:nvPr/>
         </p:nvSpPr>
@@ -26416,7 +26513,7 @@
       </p:sp>
       <p:sp>
         <p:nvSpPr>
-          <p:cNvPr name="TextBox 20" id="20"/>
+          <p:cNvPr name="TextBox 21" id="21"/>
           <p:cNvSpPr txBox="true"/>
           <p:nvPr/>
         </p:nvSpPr>
@@ -26460,7 +26557,7 @@
       </p:sp>
       <p:sp>
         <p:nvSpPr>
-          <p:cNvPr name="TextBox 21" id="21"/>
+          <p:cNvPr name="TextBox 22" id="22"/>
           <p:cNvSpPr txBox="true"/>
           <p:nvPr/>
         </p:nvSpPr>
@@ -26504,7 +26601,7 @@
       </p:sp>
       <p:sp>
         <p:nvSpPr>
-          <p:cNvPr name="TextBox 22" id="22"/>
+          <p:cNvPr name="TextBox 23" id="23"/>
           <p:cNvSpPr txBox="true"/>
           <p:nvPr/>
         </p:nvSpPr>
@@ -26548,7 +26645,7 @@
       </p:sp>
       <p:sp>
         <p:nvSpPr>
-          <p:cNvPr name="TextBox 23" id="23"/>
+          <p:cNvPr name="TextBox 24" id="24"/>
           <p:cNvSpPr txBox="true"/>
           <p:nvPr/>
         </p:nvSpPr>
@@ -26592,106 +26689,26 @@
       </p:sp>
       <p:sp>
         <p:nvSpPr>
-          <p:cNvPr name="Freeform 24" id="24"/>
+          <p:cNvPr name="AutoShape 25" id="25"/>
           <p:cNvSpPr/>
           <p:nvPr/>
         </p:nvSpPr>
         <p:spPr>
-          <a:xfrm flipH="false" flipV="false" rot="0">
-            <a:off x="7997677" y="2372037"/>
-            <a:ext cx="20574" cy="4114800"/>
+          <a:xfrm flipV="true">
+            <a:off x="1028714" y="3252209"/>
+            <a:ext cx="9330872" cy="19050"/>
           </a:xfrm>
-          <a:custGeom>
+          <a:prstGeom prst="line">
             <a:avLst/>
-            <a:gdLst/>
-            <a:ahLst/>
-            <a:cxnLst/>
-            <a:rect r="r" b="b" t="t" l="l"/>
-            <a:pathLst>
-              <a:path h="4114800" w="20574">
-                <a:moveTo>
-                  <a:pt x="0" y="0"/>
-                </a:moveTo>
-                <a:lnTo>
-                  <a:pt x="20574" y="0"/>
-                </a:lnTo>
-                <a:lnTo>
-                  <a:pt x="20574" y="4114800"/>
-                </a:lnTo>
-                <a:lnTo>
-                  <a:pt x="0" y="4114800"/>
-                </a:lnTo>
-                <a:lnTo>
-                  <a:pt x="0" y="0"/>
-                </a:lnTo>
-                <a:close/>
-              </a:path>
-            </a:pathLst>
-          </a:custGeom>
-          <a:blipFill>
-            <a:blip r:embed="rId8">
-              <a:extLst>
-                <a:ext uri="{96DAC541-7B7A-43D3-8B79-37D633B846F1}">
-                  <asvg:svgBlip xmlns:asvg="http://schemas.microsoft.com/office/drawing/2016/SVG/main" r:embed="rId9"/>
-                </a:ext>
-              </a:extLst>
-            </a:blip>
-            <a:stretch>
-              <a:fillRect l="0" t="0" r="0" b="0"/>
-            </a:stretch>
-          </a:blipFill>
-        </p:spPr>
-      </p:sp>
-      <p:sp>
-        <p:nvSpPr>
-          <p:cNvPr name="Freeform 25" id="25"/>
-          <p:cNvSpPr/>
-          <p:nvPr/>
-        </p:nvSpPr>
-        <p:spPr>
-          <a:xfrm flipH="false" flipV="false" rot="0">
-            <a:off x="3026271" y="2372037"/>
-            <a:ext cx="20574" cy="4114800"/>
-          </a:xfrm>
-          <a:custGeom>
-            <a:avLst/>
-            <a:gdLst/>
-            <a:ahLst/>
-            <a:cxnLst/>
-            <a:rect r="r" b="b" t="t" l="l"/>
-            <a:pathLst>
-              <a:path h="4114800" w="20574">
-                <a:moveTo>
-                  <a:pt x="0" y="0"/>
-                </a:moveTo>
-                <a:lnTo>
-                  <a:pt x="20574" y="0"/>
-                </a:lnTo>
-                <a:lnTo>
-                  <a:pt x="20574" y="4114800"/>
-                </a:lnTo>
-                <a:lnTo>
-                  <a:pt x="0" y="4114800"/>
-                </a:lnTo>
-                <a:lnTo>
-                  <a:pt x="0" y="0"/>
-                </a:lnTo>
-                <a:close/>
-              </a:path>
-            </a:pathLst>
-          </a:custGeom>
-          <a:blipFill>
-            <a:blip r:embed="rId8">
-              <a:extLst>
-                <a:ext uri="{96DAC541-7B7A-43D3-8B79-37D633B846F1}">
-                  <asvg:svgBlip xmlns:asvg="http://schemas.microsoft.com/office/drawing/2016/SVG/main" r:embed="rId9"/>
-                </a:ext>
-              </a:extLst>
-            </a:blip>
-            <a:stretch>
-              <a:fillRect l="0" t="0" r="0" b="0"/>
-            </a:stretch>
-          </a:blipFill>
+          </a:prstGeom>
+          <a:ln cap="flat" w="19050">
+            <a:solidFill>
+              <a:srgbClr val="0F3557"/>
+            </a:solidFill>
+            <a:prstDash val="solid"/>
+            <a:headEnd type="none" len="sm" w="sm"/>
+            <a:tailEnd type="none" len="sm" w="sm"/>
+          </a:ln>
         </p:spPr>
       </p:sp>
     </p:spTree>
@@ -27269,8 +27286,8 @@
           <p:nvPr/>
         </p:nvGraphicFramePr>
         <p:xfrm>
-          <a:off x="2677110" y="2926326"/>
-          <a:ext cx="12933781" cy="5010286"/>
+          <a:off x="2677110" y="3228924"/>
+          <a:ext cx="12933781" cy="4057752"/>
         </p:xfrm>
         <a:graphic>
           <a:graphicData uri="http://schemas.openxmlformats.org/drawingml/2006/table">
@@ -27282,7 +27299,7 @@
                 <a:gridCol w="3744845"/>
                 <a:gridCol w="3304816"/>
               </a:tblGrid>
-              <a:tr h="458071">
+              <a:tr h="458276">
                 <a:tc>
                   <a:txBody>
                     <a:bodyPr anchor="t" rtlCol="false"/>
@@ -27544,7 +27561,7 @@
                   </a:tcPr>
                 </a:tc>
               </a:tr>
-              <a:tr h="954348">
+              <a:tr h="954775">
                 <a:tc>
                   <a:txBody>
                     <a:bodyPr anchor="t" rtlCol="false"/>
@@ -27830,7 +27847,7 @@
                   </a:tcPr>
                 </a:tc>
               </a:tr>
-              <a:tr h="954348">
+              <a:tr h="954775">
                 <a:tc>
                   <a:txBody>
                     <a:bodyPr anchor="t" rtlCol="false"/>
@@ -28092,7 +28109,7 @@
                   </a:tcPr>
                 </a:tc>
               </a:tr>
-              <a:tr h="734822">
+              <a:tr h="735151">
                 <a:tc>
                   <a:txBody>
                     <a:bodyPr anchor="t" rtlCol="false"/>
@@ -28402,7 +28419,7 @@
                   </a:tcPr>
                 </a:tc>
               </a:tr>
-              <a:tr h="954348">
+              <a:tr h="954775">
                 <a:tc>
                   <a:txBody>
                     <a:bodyPr anchor="t" rtlCol="false"/>
@@ -28688,292 +28705,6 @@
                   </a:tcPr>
                 </a:tc>
               </a:tr>
-              <a:tr h="954348">
-                <a:tc>
-                  <a:txBody>
-                    <a:bodyPr anchor="t" rtlCol="false"/>
-                    <a:lstStyle/>
-                    <a:p>
-                      <a:pPr algn="l">
-                        <a:lnSpc>
-                          <a:spcPts val="2239"/>
-                        </a:lnSpc>
-                        <a:defRPr/>
-                      </a:pPr>
-                      <a:r>
-                        <a:rPr lang="en-US" sz="1599" b="true">
-                          <a:solidFill>
-                            <a:srgbClr val="000000"/>
-                          </a:solidFill>
-                          <a:latin typeface="Carlito Bold"/>
-                          <a:ea typeface="Carlito Bold"/>
-                          <a:cs typeface="Carlito Bold"/>
-                          <a:sym typeface="Carlito Bold"/>
-                        </a:rPr>
-                        <a:t>Logistic Regression</a:t>
-                      </a:r>
-                      <a:endParaRPr lang="en-US" sz="1100"/>
-                    </a:p>
-                  </a:txBody>
-                  <a:tcPr marL="76200" marR="76200" marT="76200" marB="76200" anchor="ctr">
-                    <a:lnL cmpd="sng" algn="ctr" cap="flat" w="9525">
-                      <a:solidFill>
-                        <a:srgbClr val="D9D9D9"/>
-                      </a:solidFill>
-                      <a:prstDash val="solid"/>
-                      <a:round/>
-                      <a:headEnd type="none" w="med" len="med"/>
-                      <a:tailEnd type="none" w="med" len="med"/>
-                    </a:lnL>
-                    <a:lnR cmpd="sng" algn="ctr" cap="flat" w="9525">
-                      <a:solidFill>
-                        <a:srgbClr val="D9D9D9"/>
-                      </a:solidFill>
-                      <a:prstDash val="solid"/>
-                      <a:round/>
-                      <a:headEnd type="none" w="med" len="med"/>
-                      <a:tailEnd type="none" w="med" len="med"/>
-                    </a:lnR>
-                    <a:lnT cmpd="sng" algn="ctr" cap="flat" w="9525">
-                      <a:solidFill>
-                        <a:srgbClr val="D9D9D9"/>
-                      </a:solidFill>
-                      <a:prstDash val="solid"/>
-                      <a:round/>
-                      <a:headEnd type="none" w="med" len="med"/>
-                      <a:tailEnd type="none" w="med" len="med"/>
-                    </a:lnT>
-                    <a:lnB cmpd="sng" algn="ctr" cap="flat" w="9525">
-                      <a:solidFill>
-                        <a:srgbClr val="D9D9D9"/>
-                      </a:solidFill>
-                      <a:prstDash val="solid"/>
-                      <a:round/>
-                      <a:headEnd type="none" w="med" len="med"/>
-                      <a:tailEnd type="none" w="med" len="med"/>
-                    </a:lnB>
-                  </a:tcPr>
-                </a:tc>
-                <a:tc>
-                  <a:txBody>
-                    <a:bodyPr anchor="t" rtlCol="false"/>
-                    <a:lstStyle/>
-                    <a:p>
-                      <a:pPr algn="l">
-                        <a:lnSpc>
-                          <a:spcPts val="2239"/>
-                        </a:lnSpc>
-                        <a:defRPr/>
-                      </a:pPr>
-                      <a:r>
-                        <a:rPr lang="en-US" sz="1599">
-                          <a:solidFill>
-                            <a:srgbClr val="000000"/>
-                          </a:solidFill>
-                          <a:latin typeface="Carlito"/>
-                          <a:ea typeface="Carlito"/>
-                          <a:cs typeface="Carlito"/>
-                          <a:sym typeface="Carlito"/>
-                        </a:rPr>
-                        <a:t>Strong baseline (</a:t>
-                      </a:r>
-                      <a:r>
-                        <a:rPr lang="en-US" sz="1599" b="true">
-                          <a:solidFill>
-                            <a:srgbClr val="000000"/>
-                          </a:solidFill>
-                          <a:latin typeface="Carlito Bold"/>
-                          <a:ea typeface="Carlito Bold"/>
-                          <a:cs typeface="Carlito Bold"/>
-                          <a:sym typeface="Carlito Bold"/>
-                        </a:rPr>
-                        <a:t>0.8864</a:t>
-                      </a:r>
-                      <a:r>
-                        <a:rPr lang="en-US" sz="1599">
-                          <a:solidFill>
-                            <a:srgbClr val="000000"/>
-                          </a:solidFill>
-                          <a:latin typeface="Carlito"/>
-                          <a:ea typeface="Carlito"/>
-                          <a:cs typeface="Carlito"/>
-                          <a:sym typeface="Carlito"/>
-                        </a:rPr>
-                        <a:t>); trivial to explain</a:t>
-                      </a:r>
-                      <a:endParaRPr lang="en-US" sz="1100"/>
-                    </a:p>
-                  </a:txBody>
-                  <a:tcPr marL="76200" marR="76200" marT="76200" marB="76200" anchor="ctr">
-                    <a:lnL cmpd="sng" algn="ctr" cap="flat" w="9525">
-                      <a:solidFill>
-                        <a:srgbClr val="D9D9D9"/>
-                      </a:solidFill>
-                      <a:prstDash val="solid"/>
-                      <a:round/>
-                      <a:headEnd type="none" w="med" len="med"/>
-                      <a:tailEnd type="none" w="med" len="med"/>
-                    </a:lnL>
-                    <a:lnR cmpd="sng" algn="ctr" cap="flat" w="9525">
-                      <a:solidFill>
-                        <a:srgbClr val="D9D9D9"/>
-                      </a:solidFill>
-                      <a:prstDash val="solid"/>
-                      <a:round/>
-                      <a:headEnd type="none" w="med" len="med"/>
-                      <a:tailEnd type="none" w="med" len="med"/>
-                    </a:lnR>
-                    <a:lnT cmpd="sng" algn="ctr" cap="flat" w="9525">
-                      <a:solidFill>
-                        <a:srgbClr val="D9D9D9"/>
-                      </a:solidFill>
-                      <a:prstDash val="solid"/>
-                      <a:round/>
-                      <a:headEnd type="none" w="med" len="med"/>
-                      <a:tailEnd type="none" w="med" len="med"/>
-                    </a:lnT>
-                    <a:lnB cmpd="sng" algn="ctr" cap="flat" w="9525">
-                      <a:solidFill>
-                        <a:srgbClr val="D9D9D9"/>
-                      </a:solidFill>
-                      <a:prstDash val="solid"/>
-                      <a:round/>
-                      <a:headEnd type="none" w="med" len="med"/>
-                      <a:tailEnd type="none" w="med" len="med"/>
-                    </a:lnB>
-                  </a:tcPr>
-                </a:tc>
-                <a:tc>
-                  <a:txBody>
-                    <a:bodyPr anchor="t" rtlCol="false"/>
-                    <a:lstStyle/>
-                    <a:p>
-                      <a:pPr algn="l">
-                        <a:lnSpc>
-                          <a:spcPts val="2239"/>
-                        </a:lnSpc>
-                        <a:defRPr/>
-                      </a:pPr>
-                      <a:r>
-                        <a:rPr lang="en-US" sz="1599">
-                          <a:solidFill>
-                            <a:srgbClr val="000000"/>
-                          </a:solidFill>
-                          <a:latin typeface="Carlito"/>
-                          <a:ea typeface="Carlito"/>
-                          <a:cs typeface="Carlito"/>
-                          <a:sym typeface="Carlito"/>
-                        </a:rPr>
-                        <a:t>Fallback / educational / fast scoring</a:t>
-                      </a:r>
-                      <a:endParaRPr lang="en-US" sz="1100"/>
-                    </a:p>
-                  </a:txBody>
-                  <a:tcPr marL="76200" marR="76200" marT="76200" marB="76200" anchor="ctr">
-                    <a:lnL cmpd="sng" algn="ctr" cap="flat" w="9525">
-                      <a:solidFill>
-                        <a:srgbClr val="D9D9D9"/>
-                      </a:solidFill>
-                      <a:prstDash val="solid"/>
-                      <a:round/>
-                      <a:headEnd type="none" w="med" len="med"/>
-                      <a:tailEnd type="none" w="med" len="med"/>
-                    </a:lnL>
-                    <a:lnR cmpd="sng" algn="ctr" cap="flat" w="9525">
-                      <a:solidFill>
-                        <a:srgbClr val="D9D9D9"/>
-                      </a:solidFill>
-                      <a:prstDash val="solid"/>
-                      <a:round/>
-                      <a:headEnd type="none" w="med" len="med"/>
-                      <a:tailEnd type="none" w="med" len="med"/>
-                    </a:lnR>
-                    <a:lnT cmpd="sng" algn="ctr" cap="flat" w="9525">
-                      <a:solidFill>
-                        <a:srgbClr val="D9D9D9"/>
-                      </a:solidFill>
-                      <a:prstDash val="solid"/>
-                      <a:round/>
-                      <a:headEnd type="none" w="med" len="med"/>
-                      <a:tailEnd type="none" w="med" len="med"/>
-                    </a:lnT>
-                    <a:lnB cmpd="sng" algn="ctr" cap="flat" w="9525">
-                      <a:solidFill>
-                        <a:srgbClr val="D9D9D9"/>
-                      </a:solidFill>
-                      <a:prstDash val="solid"/>
-                      <a:round/>
-                      <a:headEnd type="none" w="med" len="med"/>
-                      <a:tailEnd type="none" w="med" len="med"/>
-                    </a:lnB>
-                  </a:tcPr>
-                </a:tc>
-                <a:tc>
-                  <a:txBody>
-                    <a:bodyPr anchor="t" rtlCol="false"/>
-                    <a:lstStyle/>
-                    <a:p>
-                      <a:pPr algn="l">
-                        <a:lnSpc>
-                          <a:spcPts val="2239"/>
-                        </a:lnSpc>
-                        <a:defRPr/>
-                      </a:pPr>
-                      <a:r>
-                        <a:rPr lang="en-US" sz="1599">
-                          <a:solidFill>
-                            <a:srgbClr val="000000"/>
-                          </a:solidFill>
-                          <a:latin typeface="Carlito"/>
-                          <a:ea typeface="Carlito"/>
-                          <a:cs typeface="Carlito"/>
-                          <a:sym typeface="Carlito"/>
-                        </a:rPr>
-                        <a:t>Exported as .pkl</a:t>
-                      </a:r>
-                      <a:endParaRPr lang="en-US" sz="1100"/>
-                    </a:p>
-                  </a:txBody>
-                  <a:tcPr marL="76200" marR="76200" marT="76200" marB="76200" anchor="ctr">
-                    <a:lnL cmpd="sng" algn="ctr" cap="flat" w="9525">
-                      <a:solidFill>
-                        <a:srgbClr val="D9D9D9"/>
-                      </a:solidFill>
-                      <a:prstDash val="solid"/>
-                      <a:round/>
-                      <a:headEnd type="none" w="med" len="med"/>
-                      <a:tailEnd type="none" w="med" len="med"/>
-                    </a:lnL>
-                    <a:lnR cmpd="sng" algn="ctr" cap="flat" w="9525">
-                      <a:solidFill>
-                        <a:srgbClr val="D9D9D9"/>
-                      </a:solidFill>
-                      <a:prstDash val="solid"/>
-                      <a:round/>
-                      <a:headEnd type="none" w="med" len="med"/>
-                      <a:tailEnd type="none" w="med" len="med"/>
-                    </a:lnR>
-                    <a:lnT cmpd="sng" algn="ctr" cap="flat" w="9525">
-                      <a:solidFill>
-                        <a:srgbClr val="D9D9D9"/>
-                      </a:solidFill>
-                      <a:prstDash val="solid"/>
-                      <a:round/>
-                      <a:headEnd type="none" w="med" len="med"/>
-                      <a:tailEnd type="none" w="med" len="med"/>
-                    </a:lnT>
-                    <a:lnB cmpd="sng" algn="ctr" cap="flat" w="9525">
-                      <a:solidFill>
-                        <a:srgbClr val="D9D9D9"/>
-                      </a:solidFill>
-                      <a:prstDash val="solid"/>
-                      <a:round/>
-                      <a:headEnd type="none" w="med" len="med"/>
-                      <a:tailEnd type="none" w="med" len="med"/>
-                    </a:lnB>
-                  </a:tcPr>
-                </a:tc>
-              </a:tr>
             </a:tbl>
           </a:graphicData>
         </a:graphic>
@@ -28986,7 +28717,7 @@
         </p:nvSpPr>
         <p:spPr>
           <a:xfrm rot="0">
-            <a:off x="2294169" y="8404860"/>
+            <a:off x="2294169" y="7993583"/>
             <a:ext cx="13764632" cy="694690"/>
           </a:xfrm>
           <a:prstGeom prst="rect">
@@ -29041,7 +28772,31 @@
                 <a:cs typeface="Carlito"/>
                 <a:sym typeface="Carlito"/>
               </a:rPr>
-              <a:t> blood_pressure, sleep_quality, social_support, anxiety_level, depression, self_esteem, academic_performance, study_load, future_career_concerns, bullying. That tells us the model is learning the same story we saw in EDA.</a:t>
+              <a:t> blood_pressure, sleep_quality, social_support, anxiety_level, depression, self_esteem, academic_performance, study_load, future_career_concerns, bullying. </a:t>
+            </a:r>
+            <a:r>
+              <a:rPr lang="en-US" b="true" sz="1900">
+                <a:solidFill>
+                  <a:srgbClr val="546E7A"/>
+                </a:solidFill>
+                <a:latin typeface="Carlito Bold"/>
+                <a:ea typeface="Carlito Bold"/>
+                <a:cs typeface="Carlito Bold"/>
+                <a:sym typeface="Carlito Bold"/>
+              </a:rPr>
+              <a:t>That tells us the model is learning the same story we saw in EDA</a:t>
+            </a:r>
+            <a:r>
+              <a:rPr lang="en-US" sz="1900">
+                <a:solidFill>
+                  <a:srgbClr val="546E7A"/>
+                </a:solidFill>
+                <a:latin typeface="Carlito"/>
+                <a:ea typeface="Carlito"/>
+                <a:cs typeface="Carlito"/>
+                <a:sym typeface="Carlito"/>
+              </a:rPr>
+              <a:t>.</a:t>
             </a:r>
           </a:p>
         </p:txBody>

--- a/slides/Presentation - Student Stress Prediction.pptx
+++ b/slides/Presentation - Student Stress Prediction.pptx
@@ -3534,7 +3534,7 @@
         </p:nvSpPr>
         <p:spPr>
           <a:xfrm rot="0">
-            <a:off x="13249275" y="9617817"/>
+            <a:off x="12441446" y="9655600"/>
             <a:ext cx="4010025" cy="296545"/>
           </a:xfrm>
           <a:prstGeom prst="rect">
@@ -3575,7 +3575,7 @@
         </p:nvSpPr>
         <p:spPr>
           <a:xfrm rot="0">
-            <a:off x="13249275" y="9569558"/>
+            <a:off x="13474240" y="9569558"/>
             <a:ext cx="4010025" cy="344804"/>
           </a:xfrm>
           <a:prstGeom prst="rect">
@@ -3606,7 +3606,51 @@
                 <a:cs typeface="Carlito"/>
                 <a:sym typeface="Carlito"/>
               </a:rPr>
-              <a:t>DATA ANALYST</a:t>
+              <a:t>DATA ANALYST STUDENT</a:t>
+            </a:r>
+          </a:p>
+        </p:txBody>
+      </p:sp>
+      <p:sp>
+        <p:nvSpPr>
+          <p:cNvPr name="TextBox 14" id="14"/>
+          <p:cNvSpPr txBox="true"/>
+          <p:nvPr/>
+        </p:nvSpPr>
+        <p:spPr>
+          <a:xfrm rot="0">
+            <a:off x="666750" y="8191127"/>
+            <a:ext cx="8699599" cy="344805"/>
+          </a:xfrm>
+          <a:prstGeom prst="rect">
+            <a:avLst/>
+          </a:prstGeom>
+        </p:spPr>
+        <p:txBody>
+          <a:bodyPr anchor="t" rtlCol="false" tIns="0" lIns="0" bIns="0" rIns="0">
+            <a:spAutoFit/>
+          </a:bodyPr>
+          <a:lstStyle/>
+          <a:p>
+            <a:pPr algn="ctr">
+              <a:lnSpc>
+                <a:spcPts val="2520"/>
+              </a:lnSpc>
+              <a:spcBef>
+                <a:spcPct val="0"/>
+              </a:spcBef>
+            </a:pPr>
+            <a:r>
+              <a:rPr lang="en-US" sz="1800">
+                <a:solidFill>
+                  <a:srgbClr val="546E7A"/>
+                </a:solidFill>
+                <a:latin typeface="Carlito"/>
+                <a:ea typeface="Carlito"/>
+                <a:cs typeface="Carlito"/>
+                <a:sym typeface="Carlito"/>
+              </a:rPr>
+              <a:t>Note: The dataset is for learning; values reflect typical student self-reports (not clinical labels).</a:t>
             </a:r>
           </a:p>
         </p:txBody>
